--- a/folien/Semester_03_Termin_02_Kapitel02.pptx
+++ b/folien/Semester_03_Termin_02_Kapitel02.pptx
@@ -199,7 +199,7 @@
         <p:nvSpPr>
           <p:cNvPr id="2050" name="Rectangle 1"/>
           <p:cNvSpPr>
-            <a:spLocks noGrp="1" noChangeArrowheads="1"/>
+            <a:spLocks noGrp="1" noRot="1" noChangeAspect="1" noChangeArrowheads="1"/>
           </p:cNvSpPr>
           <p:nvPr>
             <p:ph type="sldImg"/>
@@ -739,7 +739,7 @@
         <p:nvSpPr>
           <p:cNvPr id="4099" name="Rectangle 1"/>
           <p:cNvSpPr>
-            <a:spLocks noChangeArrowheads="1" noTextEdit="1"/>
+            <a:spLocks noGrp="1" noRot="1" noChangeAspect="1" noChangeArrowheads="1" noTextEdit="1"/>
           </p:cNvSpPr>
           <p:nvPr>
             <p:ph type="sldImg"/>
@@ -765,7 +765,7 @@
         <p:nvSpPr>
           <p:cNvPr id="4100" name="Rectangle 2"/>
           <p:cNvSpPr>
-            <a:spLocks noChangeArrowheads="1"/>
+            <a:spLocks noGrp="1" noChangeArrowheads="1"/>
           </p:cNvSpPr>
           <p:nvPr>
             <p:ph type="body" idx="1"/>
@@ -850,7 +850,7 @@
         <p:nvSpPr>
           <p:cNvPr id="22531" name="Rectangle 1"/>
           <p:cNvSpPr>
-            <a:spLocks noChangeArrowheads="1" noTextEdit="1"/>
+            <a:spLocks noGrp="1" noRot="1" noChangeAspect="1" noChangeArrowheads="1" noTextEdit="1"/>
           </p:cNvSpPr>
           <p:nvPr>
             <p:ph type="sldImg"/>
@@ -876,7 +876,7 @@
         <p:nvSpPr>
           <p:cNvPr id="22532" name="Rectangle 2"/>
           <p:cNvSpPr>
-            <a:spLocks noChangeArrowheads="1"/>
+            <a:spLocks noGrp="1" noChangeArrowheads="1"/>
           </p:cNvSpPr>
           <p:nvPr>
             <p:ph type="body" idx="1"/>
@@ -961,7 +961,7 @@
         <p:nvSpPr>
           <p:cNvPr id="24579" name="Rectangle 1"/>
           <p:cNvSpPr>
-            <a:spLocks noChangeArrowheads="1" noTextEdit="1"/>
+            <a:spLocks noGrp="1" noRot="1" noChangeAspect="1" noChangeArrowheads="1" noTextEdit="1"/>
           </p:cNvSpPr>
           <p:nvPr>
             <p:ph type="sldImg"/>
@@ -987,7 +987,7 @@
         <p:nvSpPr>
           <p:cNvPr id="24580" name="Rectangle 2"/>
           <p:cNvSpPr>
-            <a:spLocks noChangeArrowheads="1"/>
+            <a:spLocks noGrp="1" noChangeArrowheads="1"/>
           </p:cNvSpPr>
           <p:nvPr>
             <p:ph type="body" idx="1"/>
@@ -1072,7 +1072,7 @@
         <p:nvSpPr>
           <p:cNvPr id="26627" name="Rectangle 1"/>
           <p:cNvSpPr>
-            <a:spLocks noChangeArrowheads="1" noTextEdit="1"/>
+            <a:spLocks noGrp="1" noRot="1" noChangeAspect="1" noChangeArrowheads="1" noTextEdit="1"/>
           </p:cNvSpPr>
           <p:nvPr>
             <p:ph type="sldImg"/>
@@ -1098,7 +1098,7 @@
         <p:nvSpPr>
           <p:cNvPr id="26628" name="Rectangle 2"/>
           <p:cNvSpPr>
-            <a:spLocks noChangeArrowheads="1"/>
+            <a:spLocks noGrp="1" noChangeArrowheads="1"/>
           </p:cNvSpPr>
           <p:nvPr>
             <p:ph type="body" idx="1"/>
@@ -1183,7 +1183,7 @@
         <p:nvSpPr>
           <p:cNvPr id="28675" name="Rectangle 1"/>
           <p:cNvSpPr>
-            <a:spLocks noChangeArrowheads="1" noTextEdit="1"/>
+            <a:spLocks noGrp="1" noRot="1" noChangeAspect="1" noChangeArrowheads="1" noTextEdit="1"/>
           </p:cNvSpPr>
           <p:nvPr>
             <p:ph type="sldImg"/>
@@ -1209,7 +1209,7 @@
         <p:nvSpPr>
           <p:cNvPr id="28676" name="Rectangle 2"/>
           <p:cNvSpPr>
-            <a:spLocks noChangeArrowheads="1"/>
+            <a:spLocks noGrp="1" noChangeArrowheads="1"/>
           </p:cNvSpPr>
           <p:nvPr>
             <p:ph type="body" idx="1"/>
@@ -1294,7 +1294,7 @@
         <p:nvSpPr>
           <p:cNvPr id="30723" name="Rectangle 1"/>
           <p:cNvSpPr>
-            <a:spLocks noChangeArrowheads="1" noTextEdit="1"/>
+            <a:spLocks noGrp="1" noRot="1" noChangeAspect="1" noChangeArrowheads="1" noTextEdit="1"/>
           </p:cNvSpPr>
           <p:nvPr>
             <p:ph type="sldImg"/>
@@ -1320,7 +1320,7 @@
         <p:nvSpPr>
           <p:cNvPr id="30724" name="Rectangle 2"/>
           <p:cNvSpPr>
-            <a:spLocks noChangeArrowheads="1"/>
+            <a:spLocks noGrp="1" noChangeArrowheads="1"/>
           </p:cNvSpPr>
           <p:nvPr>
             <p:ph type="body" idx="1"/>
@@ -1405,7 +1405,7 @@
         <p:nvSpPr>
           <p:cNvPr id="32771" name="Rectangle 1"/>
           <p:cNvSpPr>
-            <a:spLocks noChangeArrowheads="1" noTextEdit="1"/>
+            <a:spLocks noGrp="1" noRot="1" noChangeAspect="1" noChangeArrowheads="1" noTextEdit="1"/>
           </p:cNvSpPr>
           <p:nvPr>
             <p:ph type="sldImg"/>
@@ -1431,7 +1431,7 @@
         <p:nvSpPr>
           <p:cNvPr id="32772" name="Rectangle 2"/>
           <p:cNvSpPr>
-            <a:spLocks noChangeArrowheads="1"/>
+            <a:spLocks noGrp="1" noChangeArrowheads="1"/>
           </p:cNvSpPr>
           <p:nvPr>
             <p:ph type="body" idx="1"/>
@@ -1516,7 +1516,7 @@
         <p:nvSpPr>
           <p:cNvPr id="34819" name="Rectangle 1"/>
           <p:cNvSpPr>
-            <a:spLocks noChangeArrowheads="1" noTextEdit="1"/>
+            <a:spLocks noGrp="1" noRot="1" noChangeAspect="1" noChangeArrowheads="1" noTextEdit="1"/>
           </p:cNvSpPr>
           <p:nvPr>
             <p:ph type="sldImg"/>
@@ -1542,7 +1542,7 @@
         <p:nvSpPr>
           <p:cNvPr id="34820" name="Rectangle 2"/>
           <p:cNvSpPr>
-            <a:spLocks noChangeArrowheads="1"/>
+            <a:spLocks noGrp="1" noChangeArrowheads="1"/>
           </p:cNvSpPr>
           <p:nvPr>
             <p:ph type="body" idx="1"/>
@@ -1627,7 +1627,7 @@
         <p:nvSpPr>
           <p:cNvPr id="36867" name="Rectangle 1"/>
           <p:cNvSpPr>
-            <a:spLocks noChangeArrowheads="1" noTextEdit="1"/>
+            <a:spLocks noGrp="1" noRot="1" noChangeAspect="1" noChangeArrowheads="1" noTextEdit="1"/>
           </p:cNvSpPr>
           <p:nvPr>
             <p:ph type="sldImg"/>
@@ -1653,7 +1653,7 @@
         <p:nvSpPr>
           <p:cNvPr id="36868" name="Rectangle 2"/>
           <p:cNvSpPr>
-            <a:spLocks noChangeArrowheads="1"/>
+            <a:spLocks noGrp="1" noChangeArrowheads="1"/>
           </p:cNvSpPr>
           <p:nvPr>
             <p:ph type="body" idx="1"/>
@@ -1738,7 +1738,7 @@
         <p:nvSpPr>
           <p:cNvPr id="38915" name="Rectangle 1"/>
           <p:cNvSpPr>
-            <a:spLocks noChangeArrowheads="1" noTextEdit="1"/>
+            <a:spLocks noGrp="1" noRot="1" noChangeAspect="1" noChangeArrowheads="1" noTextEdit="1"/>
           </p:cNvSpPr>
           <p:nvPr>
             <p:ph type="sldImg"/>
@@ -1764,7 +1764,7 @@
         <p:nvSpPr>
           <p:cNvPr id="38916" name="Rectangle 2"/>
           <p:cNvSpPr>
-            <a:spLocks noChangeArrowheads="1"/>
+            <a:spLocks noGrp="1" noChangeArrowheads="1"/>
           </p:cNvSpPr>
           <p:nvPr>
             <p:ph type="body" idx="1"/>
@@ -1849,7 +1849,7 @@
         <p:nvSpPr>
           <p:cNvPr id="40963" name="Rectangle 1"/>
           <p:cNvSpPr>
-            <a:spLocks noChangeArrowheads="1" noTextEdit="1"/>
+            <a:spLocks noGrp="1" noRot="1" noChangeAspect="1" noChangeArrowheads="1" noTextEdit="1"/>
           </p:cNvSpPr>
           <p:nvPr>
             <p:ph type="sldImg"/>
@@ -1875,7 +1875,7 @@
         <p:nvSpPr>
           <p:cNvPr id="40964" name="Rectangle 2"/>
           <p:cNvSpPr>
-            <a:spLocks noChangeArrowheads="1"/>
+            <a:spLocks noGrp="1" noChangeArrowheads="1"/>
           </p:cNvSpPr>
           <p:nvPr>
             <p:ph type="body" idx="1"/>
@@ -2071,7 +2071,7 @@
         <p:nvSpPr>
           <p:cNvPr id="43011" name="Rectangle 1"/>
           <p:cNvSpPr>
-            <a:spLocks noChangeArrowheads="1" noTextEdit="1"/>
+            <a:spLocks noGrp="1" noRot="1" noChangeAspect="1" noChangeArrowheads="1" noTextEdit="1"/>
           </p:cNvSpPr>
           <p:nvPr>
             <p:ph type="sldImg"/>
@@ -2097,7 +2097,7 @@
         <p:nvSpPr>
           <p:cNvPr id="43012" name="Rectangle 2"/>
           <p:cNvSpPr>
-            <a:spLocks noChangeArrowheads="1"/>
+            <a:spLocks noGrp="1" noChangeArrowheads="1"/>
           </p:cNvSpPr>
           <p:nvPr>
             <p:ph type="body" idx="1"/>
@@ -2182,7 +2182,7 @@
         <p:nvSpPr>
           <p:cNvPr id="45059" name="Rectangle 1"/>
           <p:cNvSpPr>
-            <a:spLocks noChangeArrowheads="1" noTextEdit="1"/>
+            <a:spLocks noGrp="1" noRot="1" noChangeAspect="1" noChangeArrowheads="1" noTextEdit="1"/>
           </p:cNvSpPr>
           <p:nvPr>
             <p:ph type="sldImg"/>
@@ -2208,7 +2208,7 @@
         <p:nvSpPr>
           <p:cNvPr id="45060" name="Rectangle 2"/>
           <p:cNvSpPr>
-            <a:spLocks noChangeArrowheads="1"/>
+            <a:spLocks noGrp="1" noChangeArrowheads="1"/>
           </p:cNvSpPr>
           <p:nvPr>
             <p:ph type="body" idx="1"/>
@@ -2293,7 +2293,7 @@
         <p:nvSpPr>
           <p:cNvPr id="47107" name="Rectangle 1"/>
           <p:cNvSpPr>
-            <a:spLocks noChangeArrowheads="1" noTextEdit="1"/>
+            <a:spLocks noGrp="1" noRot="1" noChangeAspect="1" noChangeArrowheads="1" noTextEdit="1"/>
           </p:cNvSpPr>
           <p:nvPr>
             <p:ph type="sldImg"/>
@@ -2319,7 +2319,7 @@
         <p:nvSpPr>
           <p:cNvPr id="47108" name="Rectangle 2"/>
           <p:cNvSpPr>
-            <a:spLocks noChangeArrowheads="1"/>
+            <a:spLocks noGrp="1" noChangeArrowheads="1"/>
           </p:cNvSpPr>
           <p:nvPr>
             <p:ph type="body" idx="1"/>
@@ -2404,7 +2404,7 @@
         <p:nvSpPr>
           <p:cNvPr id="49155" name="Rectangle 1"/>
           <p:cNvSpPr>
-            <a:spLocks noChangeArrowheads="1" noTextEdit="1"/>
+            <a:spLocks noGrp="1" noRot="1" noChangeAspect="1" noChangeArrowheads="1" noTextEdit="1"/>
           </p:cNvSpPr>
           <p:nvPr>
             <p:ph type="sldImg"/>
@@ -2430,7 +2430,7 @@
         <p:nvSpPr>
           <p:cNvPr id="49156" name="Rectangle 2"/>
           <p:cNvSpPr>
-            <a:spLocks noChangeArrowheads="1"/>
+            <a:spLocks noGrp="1" noChangeArrowheads="1"/>
           </p:cNvSpPr>
           <p:nvPr>
             <p:ph type="body" idx="1"/>
@@ -2515,7 +2515,7 @@
         <p:nvSpPr>
           <p:cNvPr id="51203" name="Rectangle 1"/>
           <p:cNvSpPr>
-            <a:spLocks noChangeArrowheads="1" noTextEdit="1"/>
+            <a:spLocks noGrp="1" noRot="1" noChangeAspect="1" noChangeArrowheads="1" noTextEdit="1"/>
           </p:cNvSpPr>
           <p:nvPr>
             <p:ph type="sldImg"/>
@@ -2541,7 +2541,7 @@
         <p:nvSpPr>
           <p:cNvPr id="51204" name="Rectangle 2"/>
           <p:cNvSpPr>
-            <a:spLocks noChangeArrowheads="1"/>
+            <a:spLocks noGrp="1" noChangeArrowheads="1"/>
           </p:cNvSpPr>
           <p:nvPr>
             <p:ph type="body" idx="1"/>
@@ -2626,7 +2626,7 @@
         <p:nvSpPr>
           <p:cNvPr id="53251" name="Rectangle 1"/>
           <p:cNvSpPr>
-            <a:spLocks noChangeArrowheads="1" noTextEdit="1"/>
+            <a:spLocks noGrp="1" noRot="1" noChangeAspect="1" noChangeArrowheads="1" noTextEdit="1"/>
           </p:cNvSpPr>
           <p:nvPr>
             <p:ph type="sldImg"/>
@@ -2652,7 +2652,7 @@
         <p:nvSpPr>
           <p:cNvPr id="53252" name="Rectangle 2"/>
           <p:cNvSpPr>
-            <a:spLocks noChangeArrowheads="1"/>
+            <a:spLocks noGrp="1" noChangeArrowheads="1"/>
           </p:cNvSpPr>
           <p:nvPr>
             <p:ph type="body" idx="1"/>
@@ -2737,7 +2737,7 @@
         <p:nvSpPr>
           <p:cNvPr id="55299" name="Rectangle 1"/>
           <p:cNvSpPr>
-            <a:spLocks noChangeArrowheads="1" noTextEdit="1"/>
+            <a:spLocks noGrp="1" noRot="1" noChangeAspect="1" noChangeArrowheads="1" noTextEdit="1"/>
           </p:cNvSpPr>
           <p:nvPr>
             <p:ph type="sldImg"/>
@@ -2763,7 +2763,7 @@
         <p:nvSpPr>
           <p:cNvPr id="55300" name="Rectangle 2"/>
           <p:cNvSpPr>
-            <a:spLocks noChangeArrowheads="1"/>
+            <a:spLocks noGrp="1" noChangeArrowheads="1"/>
           </p:cNvSpPr>
           <p:nvPr>
             <p:ph type="body" idx="1"/>
@@ -2848,7 +2848,7 @@
         <p:nvSpPr>
           <p:cNvPr id="57347" name="Rectangle 1"/>
           <p:cNvSpPr>
-            <a:spLocks noChangeArrowheads="1" noTextEdit="1"/>
+            <a:spLocks noGrp="1" noRot="1" noChangeAspect="1" noChangeArrowheads="1" noTextEdit="1"/>
           </p:cNvSpPr>
           <p:nvPr>
             <p:ph type="sldImg"/>
@@ -2874,7 +2874,7 @@
         <p:nvSpPr>
           <p:cNvPr id="57348" name="Rectangle 2"/>
           <p:cNvSpPr>
-            <a:spLocks noChangeArrowheads="1"/>
+            <a:spLocks noGrp="1" noChangeArrowheads="1"/>
           </p:cNvSpPr>
           <p:nvPr>
             <p:ph type="body" idx="1"/>
@@ -2959,7 +2959,7 @@
         <p:nvSpPr>
           <p:cNvPr id="59395" name="Rectangle 1"/>
           <p:cNvSpPr>
-            <a:spLocks noChangeArrowheads="1" noTextEdit="1"/>
+            <a:spLocks noGrp="1" noRot="1" noChangeAspect="1" noChangeArrowheads="1" noTextEdit="1"/>
           </p:cNvSpPr>
           <p:nvPr>
             <p:ph type="sldImg"/>
@@ -2985,7 +2985,7 @@
         <p:nvSpPr>
           <p:cNvPr id="59396" name="Rectangle 2"/>
           <p:cNvSpPr>
-            <a:spLocks noChangeArrowheads="1"/>
+            <a:spLocks noGrp="1" noChangeArrowheads="1"/>
           </p:cNvSpPr>
           <p:nvPr>
             <p:ph type="body" idx="1"/>
@@ -3070,7 +3070,7 @@
         <p:nvSpPr>
           <p:cNvPr id="61443" name="Rectangle 1"/>
           <p:cNvSpPr>
-            <a:spLocks noChangeArrowheads="1" noTextEdit="1"/>
+            <a:spLocks noGrp="1" noRot="1" noChangeAspect="1" noChangeArrowheads="1" noTextEdit="1"/>
           </p:cNvSpPr>
           <p:nvPr>
             <p:ph type="sldImg"/>
@@ -3096,7 +3096,7 @@
         <p:nvSpPr>
           <p:cNvPr id="61444" name="Rectangle 2"/>
           <p:cNvSpPr>
-            <a:spLocks noChangeArrowheads="1"/>
+            <a:spLocks noGrp="1" noChangeArrowheads="1"/>
           </p:cNvSpPr>
           <p:nvPr>
             <p:ph type="body" idx="1"/>
@@ -3181,7 +3181,7 @@
         <p:nvSpPr>
           <p:cNvPr id="8195" name="Rectangle 1"/>
           <p:cNvSpPr>
-            <a:spLocks noChangeArrowheads="1" noTextEdit="1"/>
+            <a:spLocks noGrp="1" noRot="1" noChangeAspect="1" noChangeArrowheads="1" noTextEdit="1"/>
           </p:cNvSpPr>
           <p:nvPr>
             <p:ph type="sldImg"/>
@@ -3207,7 +3207,7 @@
         <p:nvSpPr>
           <p:cNvPr id="8196" name="Rectangle 2"/>
           <p:cNvSpPr>
-            <a:spLocks noChangeArrowheads="1"/>
+            <a:spLocks noGrp="1" noChangeArrowheads="1"/>
           </p:cNvSpPr>
           <p:nvPr>
             <p:ph type="body" idx="1"/>
@@ -3292,7 +3292,7 @@
         <p:nvSpPr>
           <p:cNvPr id="63491" name="Rectangle 1"/>
           <p:cNvSpPr>
-            <a:spLocks noChangeArrowheads="1" noTextEdit="1"/>
+            <a:spLocks noGrp="1" noRot="1" noChangeAspect="1" noChangeArrowheads="1" noTextEdit="1"/>
           </p:cNvSpPr>
           <p:nvPr>
             <p:ph type="sldImg"/>
@@ -3318,7 +3318,7 @@
         <p:nvSpPr>
           <p:cNvPr id="63492" name="Rectangle 2"/>
           <p:cNvSpPr>
-            <a:spLocks noChangeArrowheads="1"/>
+            <a:spLocks noGrp="1" noChangeArrowheads="1"/>
           </p:cNvSpPr>
           <p:nvPr>
             <p:ph type="body" idx="1"/>
@@ -3403,7 +3403,7 @@
         <p:nvSpPr>
           <p:cNvPr id="65539" name="Rectangle 1"/>
           <p:cNvSpPr>
-            <a:spLocks noChangeArrowheads="1" noTextEdit="1"/>
+            <a:spLocks noGrp="1" noRot="1" noChangeAspect="1" noChangeArrowheads="1" noTextEdit="1"/>
           </p:cNvSpPr>
           <p:nvPr>
             <p:ph type="sldImg"/>
@@ -3429,7 +3429,7 @@
         <p:nvSpPr>
           <p:cNvPr id="65540" name="Rectangle 2"/>
           <p:cNvSpPr>
-            <a:spLocks noChangeArrowheads="1"/>
+            <a:spLocks noGrp="1" noChangeArrowheads="1"/>
           </p:cNvSpPr>
           <p:nvPr>
             <p:ph type="body" idx="1"/>
@@ -3514,7 +3514,7 @@
         <p:nvSpPr>
           <p:cNvPr id="10243" name="Rectangle 1"/>
           <p:cNvSpPr>
-            <a:spLocks noChangeArrowheads="1" noTextEdit="1"/>
+            <a:spLocks noGrp="1" noRot="1" noChangeAspect="1" noChangeArrowheads="1" noTextEdit="1"/>
           </p:cNvSpPr>
           <p:nvPr>
             <p:ph type="sldImg"/>
@@ -3540,7 +3540,7 @@
         <p:nvSpPr>
           <p:cNvPr id="10244" name="Rectangle 2"/>
           <p:cNvSpPr>
-            <a:spLocks noChangeArrowheads="1"/>
+            <a:spLocks noGrp="1" noChangeArrowheads="1"/>
           </p:cNvSpPr>
           <p:nvPr>
             <p:ph type="body" idx="1"/>
@@ -3625,7 +3625,7 @@
         <p:nvSpPr>
           <p:cNvPr id="12291" name="Rectangle 1"/>
           <p:cNvSpPr>
-            <a:spLocks noChangeArrowheads="1" noTextEdit="1"/>
+            <a:spLocks noGrp="1" noRot="1" noChangeAspect="1" noChangeArrowheads="1" noTextEdit="1"/>
           </p:cNvSpPr>
           <p:nvPr>
             <p:ph type="sldImg"/>
@@ -3651,7 +3651,7 @@
         <p:nvSpPr>
           <p:cNvPr id="12292" name="Rectangle 2"/>
           <p:cNvSpPr>
-            <a:spLocks noChangeArrowheads="1"/>
+            <a:spLocks noGrp="1" noChangeArrowheads="1"/>
           </p:cNvSpPr>
           <p:nvPr>
             <p:ph type="body" idx="1"/>
@@ -3736,7 +3736,7 @@
         <p:nvSpPr>
           <p:cNvPr id="14339" name="Rectangle 1"/>
           <p:cNvSpPr>
-            <a:spLocks noChangeArrowheads="1" noTextEdit="1"/>
+            <a:spLocks noGrp="1" noRot="1" noChangeAspect="1" noChangeArrowheads="1" noTextEdit="1"/>
           </p:cNvSpPr>
           <p:nvPr>
             <p:ph type="sldImg"/>
@@ -3762,7 +3762,7 @@
         <p:nvSpPr>
           <p:cNvPr id="14340" name="Rectangle 2"/>
           <p:cNvSpPr>
-            <a:spLocks noChangeArrowheads="1"/>
+            <a:spLocks noGrp="1" noChangeArrowheads="1"/>
           </p:cNvSpPr>
           <p:nvPr>
             <p:ph type="body" idx="1"/>
@@ -3847,7 +3847,7 @@
         <p:nvSpPr>
           <p:cNvPr id="16387" name="Rectangle 1"/>
           <p:cNvSpPr>
-            <a:spLocks noChangeArrowheads="1" noTextEdit="1"/>
+            <a:spLocks noGrp="1" noRot="1" noChangeAspect="1" noChangeArrowheads="1" noTextEdit="1"/>
           </p:cNvSpPr>
           <p:nvPr>
             <p:ph type="sldImg"/>
@@ -3873,7 +3873,7 @@
         <p:nvSpPr>
           <p:cNvPr id="16388" name="Rectangle 2"/>
           <p:cNvSpPr>
-            <a:spLocks noChangeArrowheads="1"/>
+            <a:spLocks noGrp="1" noChangeArrowheads="1"/>
           </p:cNvSpPr>
           <p:nvPr>
             <p:ph type="body" idx="1"/>
@@ -3958,7 +3958,7 @@
         <p:nvSpPr>
           <p:cNvPr id="18435" name="Rectangle 1"/>
           <p:cNvSpPr>
-            <a:spLocks noChangeArrowheads="1" noTextEdit="1"/>
+            <a:spLocks noGrp="1" noRot="1" noChangeAspect="1" noChangeArrowheads="1" noTextEdit="1"/>
           </p:cNvSpPr>
           <p:nvPr>
             <p:ph type="sldImg"/>
@@ -3984,7 +3984,7 @@
         <p:nvSpPr>
           <p:cNvPr id="18436" name="Rectangle 2"/>
           <p:cNvSpPr>
-            <a:spLocks noChangeArrowheads="1"/>
+            <a:spLocks noGrp="1" noChangeArrowheads="1"/>
           </p:cNvSpPr>
           <p:nvPr>
             <p:ph type="body" idx="1"/>
@@ -4069,7 +4069,7 @@
         <p:nvSpPr>
           <p:cNvPr id="20483" name="Rectangle 1"/>
           <p:cNvSpPr>
-            <a:spLocks noChangeArrowheads="1" noTextEdit="1"/>
+            <a:spLocks noGrp="1" noRot="1" noChangeAspect="1" noChangeArrowheads="1" noTextEdit="1"/>
           </p:cNvSpPr>
           <p:nvPr>
             <p:ph type="sldImg"/>
@@ -4095,7 +4095,7 @@
         <p:nvSpPr>
           <p:cNvPr id="20484" name="Rectangle 2"/>
           <p:cNvSpPr>
-            <a:spLocks noChangeArrowheads="1"/>
+            <a:spLocks noGrp="1" noChangeArrowheads="1"/>
           </p:cNvSpPr>
           <p:nvPr>
             <p:ph type="body" idx="1"/>
@@ -7975,7 +7975,7 @@
   <p:timing>
     <p:tnLst>
       <p:par>
-        <p:cTn id="1" dur="indefinite" nodeType="tmRoot">
+        <p:cTn id="1" dur="indefinite" restart="never" nodeType="tmRoot">
           <p:childTnLst>
             <p:seq concurrent="1" nextAc="seek">
               <p:cTn id="2" dur="0" nodeType="mainSeq"/>
@@ -8460,7 +8460,7 @@
   <p:timing>
     <p:tnLst>
       <p:par>
-        <p:cTn id="1" dur="indefinite" nodeType="tmRoot">
+        <p:cTn id="1" dur="indefinite" restart="never" nodeType="tmRoot">
           <p:childTnLst>
             <p:seq concurrent="1" nextAc="seek">
               <p:cTn id="2" dur="0" nodeType="mainSeq"/>
@@ -8942,7 +8942,7 @@
   <p:timing>
     <p:tnLst>
       <p:par>
-        <p:cTn id="1" dur="indefinite" nodeType="tmRoot">
+        <p:cTn id="1" dur="indefinite" restart="never" nodeType="tmRoot">
           <p:childTnLst>
             <p:seq concurrent="1" nextAc="seek">
               <p:cTn id="2" dur="0" nodeType="mainSeq"/>
@@ -9225,7 +9225,7 @@
   <p:timing>
     <p:tnLst>
       <p:par>
-        <p:cTn id="1" dur="indefinite" nodeType="tmRoot">
+        <p:cTn id="1" dur="indefinite" restart="never" nodeType="tmRoot">
           <p:childTnLst>
             <p:seq concurrent="1" nextAc="seek">
               <p:cTn id="2" dur="0" nodeType="mainSeq"/>
@@ -9710,7 +9710,7 @@
   <p:timing>
     <p:tnLst>
       <p:par>
-        <p:cTn id="1" dur="indefinite" nodeType="tmRoot">
+        <p:cTn id="1" dur="indefinite" restart="never" nodeType="tmRoot">
           <p:childTnLst>
             <p:seq concurrent="1" nextAc="seek">
               <p:cTn id="2" dur="0" nodeType="mainSeq"/>
@@ -10098,7 +10098,7 @@
   <p:timing>
     <p:tnLst>
       <p:par>
-        <p:cTn id="1" dur="indefinite" nodeType="tmRoot">
+        <p:cTn id="1" dur="indefinite" restart="never" nodeType="tmRoot">
           <p:childTnLst>
             <p:seq concurrent="1" nextAc="seek">
               <p:cTn id="2" dur="0" nodeType="mainSeq"/>
@@ -10573,7 +10573,7 @@
   <p:timing>
     <p:tnLst>
       <p:par>
-        <p:cTn id="1" dur="indefinite" nodeType="tmRoot">
+        <p:cTn id="1" dur="indefinite" restart="never" nodeType="tmRoot">
           <p:childTnLst>
             <p:seq concurrent="1" nextAc="seek">
               <p:cTn id="2" dur="0" nodeType="mainSeq"/>
@@ -10972,7 +10972,7 @@
   <p:timing>
     <p:tnLst>
       <p:par>
-        <p:cTn id="1" dur="indefinite" nodeType="tmRoot">
+        <p:cTn id="1" dur="indefinite" restart="never" nodeType="tmRoot">
           <p:childTnLst>
             <p:seq concurrent="1" nextAc="seek">
               <p:cTn id="2" dur="0" nodeType="mainSeq"/>
@@ -11421,7 +11421,7 @@
   <p:timing>
     <p:tnLst>
       <p:par>
-        <p:cTn id="1" dur="indefinite" nodeType="tmRoot">
+        <p:cTn id="1" dur="indefinite" restart="never" nodeType="tmRoot">
           <p:childTnLst>
             <p:seq concurrent="1" nextAc="seek">
               <p:cTn id="2" dur="0" nodeType="mainSeq"/>
@@ -11866,7 +11866,7 @@
   <p:timing>
     <p:tnLst>
       <p:par>
-        <p:cTn id="1" dur="indefinite" nodeType="tmRoot">
+        <p:cTn id="1" dur="indefinite" restart="never" nodeType="tmRoot">
           <p:childTnLst>
             <p:seq concurrent="1" nextAc="seek">
               <p:cTn id="2" dur="0" nodeType="mainSeq"/>
@@ -12218,7 +12218,7 @@
   <p:timing>
     <p:tnLst>
       <p:par>
-        <p:cTn id="1" dur="indefinite" nodeType="tmRoot">
+        <p:cTn id="1" dur="indefinite" restart="never" nodeType="tmRoot">
           <p:childTnLst>
             <p:seq concurrent="1" nextAc="seek">
               <p:cTn id="2" dur="0" nodeType="mainSeq"/>
@@ -12981,7 +12981,7 @@
   <p:timing>
     <p:tnLst>
       <p:par>
-        <p:cTn id="1" dur="indefinite" nodeType="tmRoot">
+        <p:cTn id="1" dur="indefinite" restart="never" nodeType="tmRoot">
           <p:childTnLst>
             <p:seq concurrent="1" nextAc="seek">
               <p:cTn id="2" dur="0" nodeType="mainSeq"/>
@@ -13367,7 +13367,7 @@
   <p:timing>
     <p:tnLst>
       <p:par>
-        <p:cTn id="1" dur="indefinite" nodeType="tmRoot">
+        <p:cTn id="1" dur="indefinite" restart="never" nodeType="tmRoot">
           <p:childTnLst>
             <p:seq concurrent="1" nextAc="seek">
               <p:cTn id="2" dur="0" nodeType="mainSeq"/>
@@ -13626,7 +13626,7 @@
   <p:timing>
     <p:tnLst>
       <p:par>
-        <p:cTn id="1" dur="indefinite" nodeType="tmRoot">
+        <p:cTn id="1" dur="indefinite" restart="never" nodeType="tmRoot">
           <p:childTnLst>
             <p:seq concurrent="1" nextAc="seek">
               <p:cTn id="2" dur="0" nodeType="mainSeq"/>
@@ -14071,7 +14071,7 @@
   <p:timing>
     <p:tnLst>
       <p:par>
-        <p:cTn id="1" dur="indefinite" nodeType="tmRoot">
+        <p:cTn id="1" dur="indefinite" restart="never" nodeType="tmRoot">
           <p:childTnLst>
             <p:seq concurrent="1" nextAc="seek">
               <p:cTn id="2" dur="0" nodeType="mainSeq"/>
@@ -14492,7 +14492,7 @@
   <p:timing>
     <p:tnLst>
       <p:par>
-        <p:cTn id="1" dur="indefinite" nodeType="tmRoot">
+        <p:cTn id="1" dur="indefinite" restart="never" nodeType="tmRoot">
           <p:childTnLst>
             <p:seq concurrent="1" nextAc="seek">
               <p:cTn id="2" dur="0" nodeType="mainSeq"/>
@@ -15021,7 +15021,7 @@
   <p:timing>
     <p:tnLst>
       <p:par>
-        <p:cTn id="1" dur="indefinite" nodeType="tmRoot">
+        <p:cTn id="1" dur="indefinite" restart="never" nodeType="tmRoot">
           <p:childTnLst>
             <p:seq concurrent="1" nextAc="seek">
               <p:cTn id="2" dur="0" nodeType="mainSeq"/>
@@ -15465,7 +15465,7 @@
   <p:timing>
     <p:tnLst>
       <p:par>
-        <p:cTn id="1" dur="indefinite" nodeType="tmRoot">
+        <p:cTn id="1" dur="indefinite" restart="never" nodeType="tmRoot">
           <p:childTnLst>
             <p:seq concurrent="1" nextAc="seek">
               <p:cTn id="2" dur="0" nodeType="mainSeq"/>
@@ -15922,7 +15922,7 @@
   <p:timing>
     <p:tnLst>
       <p:par>
-        <p:cTn id="1" dur="indefinite" nodeType="tmRoot">
+        <p:cTn id="1" dur="indefinite" restart="never" nodeType="tmRoot">
           <p:childTnLst>
             <p:seq concurrent="1" nextAc="seek">
               <p:cTn id="2" dur="0" nodeType="mainSeq"/>
@@ -16329,7 +16329,7 @@
   <p:timing>
     <p:tnLst>
       <p:par>
-        <p:cTn id="1" dur="indefinite" nodeType="tmRoot">
+        <p:cTn id="1" dur="indefinite" restart="never" nodeType="tmRoot">
           <p:childTnLst>
             <p:seq concurrent="1" nextAc="seek">
               <p:cTn id="2" dur="0" nodeType="mainSeq"/>
@@ -16654,7 +16654,7 @@
   <p:timing>
     <p:tnLst>
       <p:par>
-        <p:cTn id="1" dur="indefinite" nodeType="tmRoot">
+        <p:cTn id="1" dur="indefinite" restart="never" nodeType="tmRoot">
           <p:childTnLst>
             <p:seq concurrent="1" nextAc="seek">
               <p:cTn id="2" dur="0" nodeType="mainSeq"/>
@@ -17218,7 +17218,7 @@
   <p:timing>
     <p:tnLst>
       <p:par>
-        <p:cTn id="1" dur="indefinite" nodeType="tmRoot">
+        <p:cTn id="1" dur="indefinite" restart="never" nodeType="tmRoot">
           <p:childTnLst>
             <p:seq concurrent="1" nextAc="seek">
               <p:cTn id="2" dur="0" nodeType="mainSeq"/>
@@ -17903,7 +17903,7 @@
   <p:timing>
     <p:tnLst>
       <p:par>
-        <p:cTn id="1" dur="indefinite" nodeType="tmRoot">
+        <p:cTn id="1" dur="indefinite" restart="never" nodeType="tmRoot">
           <p:childTnLst>
             <p:seq concurrent="1" nextAc="seek">
               <p:cTn id="2" dur="0" nodeType="mainSeq"/>
@@ -18701,7 +18701,7 @@
   <p:timing>
     <p:tnLst>
       <p:par>
-        <p:cTn id="1" dur="indefinite" nodeType="tmRoot">
+        <p:cTn id="1" dur="indefinite" restart="never" nodeType="tmRoot">
           <p:childTnLst>
             <p:seq concurrent="1" nextAc="seek">
               <p:cTn id="2" dur="0" nodeType="mainSeq"/>
@@ -19336,7 +19336,7 @@
   <p:timing>
     <p:tnLst>
       <p:par>
-        <p:cTn id="1" dur="indefinite" nodeType="tmRoot">
+        <p:cTn id="1" dur="indefinite" restart="never" nodeType="tmRoot">
           <p:childTnLst>
             <p:seq concurrent="1" nextAc="seek">
               <p:cTn id="2" dur="0" nodeType="mainSeq"/>
@@ -19971,7 +19971,7 @@
   <p:timing>
     <p:tnLst>
       <p:par>
-        <p:cTn id="1" dur="indefinite" nodeType="tmRoot">
+        <p:cTn id="1" dur="indefinite" restart="never" nodeType="tmRoot">
           <p:childTnLst>
             <p:seq concurrent="1" nextAc="seek">
               <p:cTn id="2" dur="0" nodeType="mainSeq"/>
@@ -20473,7 +20473,7 @@
   <p:timing>
     <p:tnLst>
       <p:par>
-        <p:cTn id="1" dur="indefinite" nodeType="tmRoot">
+        <p:cTn id="1" dur="indefinite" restart="never" nodeType="tmRoot">
           <p:childTnLst>
             <p:seq concurrent="1" nextAc="seek">
               <p:cTn id="2" dur="0" nodeType="mainSeq"/>
@@ -20794,7 +20794,7 @@
   <p:timing>
     <p:tnLst>
       <p:par>
-        <p:cTn id="1" dur="indefinite" nodeType="tmRoot">
+        <p:cTn id="1" dur="indefinite" restart="never" nodeType="tmRoot">
           <p:childTnLst>
             <p:seq concurrent="1" nextAc="seek">
               <p:cTn id="2" dur="0" nodeType="mainSeq"/>
@@ -21087,7 +21087,7 @@
   <p:timing>
     <p:tnLst>
       <p:par>
-        <p:cTn id="1" dur="indefinite" nodeType="tmRoot">
+        <p:cTn id="1" dur="indefinite" restart="never" nodeType="tmRoot">
           <p:childTnLst>
             <p:seq concurrent="1" nextAc="seek">
               <p:cTn id="2" dur="0" nodeType="mainSeq"/>
@@ -21550,7 +21550,7 @@
   <p:timing>
     <p:tnLst>
       <p:par>
-        <p:cTn id="1" dur="indefinite" nodeType="tmRoot">
+        <p:cTn id="1" dur="indefinite" restart="never" nodeType="tmRoot">
           <p:childTnLst>
             <p:seq concurrent="1" nextAc="seek">
               <p:cTn id="2" dur="0" nodeType="mainSeq"/>
@@ -21580,7 +21580,7 @@
 <file path=ppt/theme/theme1.xml><?xml version="1.0" encoding="utf-8"?>
 <a:theme xmlns:a="http://schemas.openxmlformats.org/drawingml/2006/main" name="Larissa-Design">
   <a:themeElements>
-    <a:clrScheme name="Larissa-Design 1">
+    <a:clrScheme name="Benutzerdefiniert 7">
       <a:dk1>
         <a:srgbClr val="000000"/>
       </a:dk1>
@@ -21612,10 +21612,10 @@
         <a:srgbClr val="2D2DB9"/>
       </a:accent6>
       <a:hlink>
-        <a:srgbClr val="CCCCFF"/>
+        <a:srgbClr val="2D2DB9"/>
       </a:hlink>
       <a:folHlink>
-        <a:srgbClr val="B2B2B2"/>
+        <a:srgbClr val="2D2DB9"/>
       </a:folHlink>
     </a:clrScheme>
     <a:fontScheme name="Larissa-Design">
